--- a/BodhiEC开发教程.pptx
+++ b/BodhiEC开发教程.pptx
@@ -3814,7 +3814,6 @@
               <a:rPr lang="zh-CN" altLang="en-US" dirty="0"/>
               <a:t>菩提大电商</a:t>
             </a:r>
-            <a:endParaRPr lang="zh-CN" altLang="en-US" dirty="0"/>
           </a:p>
         </p:txBody>
       </p:sp>
@@ -3883,7 +3882,6 @@
               <a:rPr lang="zh-CN" altLang="en-US" dirty="0"/>
               <a:t>开发环境安装</a:t>
             </a:r>
-            <a:endParaRPr lang="zh-CN" altLang="en-US" dirty="0"/>
           </a:p>
         </p:txBody>
       </p:sp>
@@ -3935,11 +3933,7 @@
           <a:p>
             <a:r>
               <a:rPr lang="zh-CN" altLang="en-US" dirty="0" smtClean="0"/>
-              <a:t>运</a:t>
-            </a:r>
-            <a:r>
-              <a:rPr lang="zh-CN" altLang="en-US" dirty="0" smtClean="0"/>
-              <a:t>维技术（</a:t>
+              <a:t>运维技术（</a:t>
             </a:r>
             <a:r>
               <a:rPr lang="en-US" altLang="zh-CN" dirty="0" smtClean="0"/>
@@ -4097,11 +4091,7 @@
           <a:p>
             <a:r>
               <a:rPr lang="zh-CN" altLang="en-US" dirty="0" smtClean="0"/>
-              <a:t>全球</a:t>
-            </a:r>
-            <a:r>
-              <a:rPr lang="zh-CN" altLang="en-US" dirty="0" smtClean="0"/>
-              <a:t>大环境的问题</a:t>
+              <a:t>全球大环境的问题</a:t>
             </a:r>
             <a:endParaRPr lang="en-US" altLang="zh-CN" dirty="0" smtClean="0"/>
           </a:p>
@@ -4253,11 +4243,7 @@
           <a:p>
             <a:r>
               <a:rPr lang="zh-CN" altLang="en-US" dirty="0" smtClean="0"/>
-              <a:t>通用</a:t>
-            </a:r>
-            <a:r>
-              <a:rPr lang="zh-CN" altLang="en-US" dirty="0" smtClean="0"/>
-              <a:t>技能健全</a:t>
+              <a:t>通用技能健全</a:t>
             </a:r>
             <a:endParaRPr lang="en-US" altLang="zh-CN" dirty="0" smtClean="0"/>
           </a:p>
@@ -4343,7 +4329,6 @@
               <a:rPr lang="zh-CN" altLang="en-US" dirty="0"/>
               <a:t>找到职业方向</a:t>
             </a:r>
-            <a:endParaRPr lang="zh-CN" altLang="en-US" dirty="0"/>
           </a:p>
         </p:txBody>
       </p:sp>
@@ -4365,9 +4350,44 @@
         </p:spPr>
         <p:txBody>
           <a:bodyPr>
-            <a:normAutofit/>
+            <a:normAutofit lnSpcReduction="10000"/>
           </a:bodyPr>
           <a:lstStyle/>
+          <a:p>
+            <a:pPr marL="64008" indent="0">
+              <a:buNone/>
+            </a:pPr>
+            <a:r>
+              <a:rPr lang="zh-CN" altLang="en-US" b="1" dirty="0" smtClean="0">
+                <a:solidFill>
+                  <a:schemeClr val="accent2">
+                    <a:lumMod val="60000"/>
+                    <a:lumOff val="40000"/>
+                  </a:schemeClr>
+                </a:solidFill>
+              </a:rPr>
+              <a:t>主流</a:t>
+            </a:r>
+            <a:r>
+              <a:rPr lang="zh-CN" altLang="en-US" b="1" dirty="0" smtClean="0">
+                <a:solidFill>
+                  <a:schemeClr val="accent2">
+                    <a:lumMod val="60000"/>
+                    <a:lumOff val="40000"/>
+                  </a:schemeClr>
+                </a:solidFill>
+              </a:rPr>
+              <a:t>计算机岗位</a:t>
+            </a:r>
+            <a:endParaRPr lang="en-US" altLang="zh-CN" b="1" dirty="0" smtClean="0">
+              <a:solidFill>
+                <a:schemeClr val="accent2">
+                  <a:lumMod val="60000"/>
+                  <a:lumOff val="40000"/>
+                </a:schemeClr>
+              </a:solidFill>
+            </a:endParaRPr>
+          </a:p>
           <a:p>
             <a:r>
               <a:rPr lang="zh-CN" altLang="en-US" dirty="0" smtClean="0"/>
@@ -4491,7 +4511,6 @@
               <a:rPr lang="zh-CN" altLang="en-US" dirty="0"/>
               <a:t>聊聊项目研发中的事故</a:t>
             </a:r>
-            <a:endParaRPr lang="zh-CN" altLang="en-US" dirty="0"/>
           </a:p>
         </p:txBody>
       </p:sp>
@@ -4606,7 +4625,6 @@
               <a:rPr lang="zh-CN" altLang="en-US" dirty="0"/>
               <a:t>做数字化转型</a:t>
             </a:r>
-            <a:endParaRPr lang="zh-CN" altLang="en-US" dirty="0"/>
           </a:p>
         </p:txBody>
       </p:sp>
